--- a/WT-II Lab Project Report.pptx
+++ b/WT-II Lab Project Report.pptx
@@ -262,7 +262,7 @@
       </p15:sldGuideLst>
     </p:ext>
     <p:ext uri="{505F2C04-C923-438B-8C0F-E0CD2BADF298}">
-      <wppc:fontMiss xmlns="" xmlns:wppc="http://www.wps.cn/officeDocument/PresentationCustomData" type="true"/>
+      <wppc:fontMiss xmlns:wppc="http://www.wps.cn/officeDocument/PresentationCustomData" xmlns="" type="true"/>
     </p:ext>
   </p:extLst>
 </p:presentation>
@@ -557,7 +557,7 @@
             </a:lvl9pPr>
           </a:lstStyle>
           <a:p>
-            <a:endParaRPr/>
+            <a:endParaRPr dirty="0"/>
           </a:p>
         </p:txBody>
       </p:sp>
@@ -825,7 +825,7 @@
             </a:lvl9pPr>
           </a:lstStyle>
           <a:p>
-            <a:endParaRPr/>
+            <a:endParaRPr dirty="0"/>
           </a:p>
         </p:txBody>
       </p:sp>
@@ -1412,7 +1412,7 @@
             </a:lvl9pPr>
           </a:lstStyle>
           <a:p>
-            <a:endParaRPr/>
+            <a:endParaRPr dirty="0"/>
           </a:p>
         </p:txBody>
       </p:sp>
@@ -1491,7 +1491,7 @@
               </a:pPr>
               <a:t>‹#›</a:t>
             </a:fld>
-            <a:endParaRPr sz="1200" b="0" i="0" u="none" strike="noStrike" cap="none">
+            <a:endParaRPr sz="1200" b="0" i="0" u="none" strike="noStrike" cap="none" dirty="0">
               <a:solidFill>
                 <a:schemeClr val="dk1"/>
               </a:solidFill>
@@ -1797,7 +1797,7 @@
               <a:buSzPts val="1400"/>
               <a:buNone/>
             </a:pPr>
-            <a:endParaRPr/>
+            <a:endParaRPr dirty="0"/>
           </a:p>
         </p:txBody>
       </p:sp>
@@ -1923,7 +1923,7 @@
               <a:buFont typeface="Calibri" panose="020F0502020204030204"/>
               <a:buNone/>
             </a:pPr>
-            <a:endParaRPr/>
+            <a:endParaRPr dirty="0"/>
           </a:p>
         </p:txBody>
       </p:sp>
@@ -2049,7 +2049,7 @@
               <a:buFont typeface="Calibri" panose="020F0502020204030204"/>
               <a:buNone/>
             </a:pPr>
-            <a:endParaRPr/>
+            <a:endParaRPr dirty="0"/>
           </a:p>
         </p:txBody>
       </p:sp>
@@ -2175,7 +2175,7 @@
               <a:buFont typeface="Calibri" panose="020F0502020204030204"/>
               <a:buNone/>
             </a:pPr>
-            <a:endParaRPr/>
+            <a:endParaRPr dirty="0"/>
           </a:p>
         </p:txBody>
       </p:sp>
@@ -2301,7 +2301,7 @@
               <a:buFont typeface="Calibri" panose="020F0502020204030204"/>
               <a:buNone/>
             </a:pPr>
-            <a:endParaRPr/>
+            <a:endParaRPr dirty="0"/>
           </a:p>
         </p:txBody>
       </p:sp>
@@ -2423,7 +2423,7 @@
               <a:buSzPts val="1400"/>
               <a:buNone/>
             </a:pPr>
-            <a:endParaRPr/>
+            <a:endParaRPr dirty="0"/>
           </a:p>
         </p:txBody>
       </p:sp>
@@ -2547,7 +2547,7 @@
               <a:buFont typeface="Arial" panose="020B0604020202020204"/>
               <a:buNone/>
             </a:pPr>
-            <a:endParaRPr sz="1800" b="0" i="0" u="none" strike="noStrike" cap="none">
+            <a:endParaRPr sz="1800" b="0" i="0" u="none" strike="noStrike" cap="none" dirty="0">
               <a:solidFill>
                 <a:schemeClr val="dk1"/>
               </a:solidFill>
@@ -2575,7 +2575,7 @@
               <a:buFont typeface="Arial" panose="020B0604020202020204"/>
               <a:buNone/>
             </a:pPr>
-            <a:endParaRPr sz="1800" b="0" i="0" u="none" strike="noStrike" cap="none">
+            <a:endParaRPr sz="1800" b="0" i="0" u="none" strike="noStrike" cap="none" dirty="0">
               <a:solidFill>
                 <a:schemeClr val="dk1"/>
               </a:solidFill>
@@ -2603,7 +2603,7 @@
               <a:buFont typeface="Arial" panose="020B0604020202020204"/>
               <a:buNone/>
             </a:pPr>
-            <a:endParaRPr sz="1800" b="0" i="0" u="none" strike="noStrike" cap="none">
+            <a:endParaRPr sz="1800" b="0" i="0" u="none" strike="noStrike" cap="none" dirty="0">
               <a:solidFill>
                 <a:schemeClr val="dk1"/>
               </a:solidFill>
@@ -2631,7 +2631,7 @@
               <a:buFont typeface="Arial" panose="020B0604020202020204"/>
               <a:buNone/>
             </a:pPr>
-            <a:endParaRPr sz="1800" b="0" i="0" u="none" strike="noStrike" cap="none">
+            <a:endParaRPr sz="1800" b="0" i="0" u="none" strike="noStrike" cap="none" dirty="0">
               <a:solidFill>
                 <a:schemeClr val="dk1"/>
               </a:solidFill>
@@ -2828,7 +2828,7 @@
               <a:buFont typeface="Arial" panose="020B0604020202020204"/>
               <a:buNone/>
             </a:pPr>
-            <a:endParaRPr sz="1800" b="0" i="0" u="none" strike="noStrike" cap="none">
+            <a:endParaRPr sz="1800" b="0" i="0" u="none" strike="noStrike" cap="none" dirty="0">
               <a:solidFill>
                 <a:schemeClr val="dk1"/>
               </a:solidFill>
@@ -2856,7 +2856,7 @@
               <a:buFont typeface="Arial" panose="020B0604020202020204"/>
               <a:buNone/>
             </a:pPr>
-            <a:endParaRPr sz="1800" b="0" i="0" u="none" strike="noStrike" cap="none">
+            <a:endParaRPr sz="1800" b="0" i="0" u="none" strike="noStrike" cap="none" dirty="0">
               <a:solidFill>
                 <a:schemeClr val="dk1"/>
               </a:solidFill>
@@ -2884,7 +2884,7 @@
               <a:buFont typeface="Arial" panose="020B0604020202020204"/>
               <a:buNone/>
             </a:pPr>
-            <a:endParaRPr sz="1800" b="0" i="0" u="none" strike="noStrike" cap="none">
+            <a:endParaRPr sz="1800" b="0" i="0" u="none" strike="noStrike" cap="none" dirty="0">
               <a:solidFill>
                 <a:schemeClr val="dk1"/>
               </a:solidFill>
@@ -2912,7 +2912,7 @@
               <a:buFont typeface="Arial" panose="020B0604020202020204"/>
               <a:buNone/>
             </a:pPr>
-            <a:endParaRPr sz="1800" b="0" i="0" u="none" strike="noStrike" cap="none">
+            <a:endParaRPr sz="1800" b="0" i="0" u="none" strike="noStrike" cap="none" dirty="0">
               <a:solidFill>
                 <a:schemeClr val="dk1"/>
               </a:solidFill>
@@ -3895,31 +3895,7 @@
                 <a:cs typeface="Trebuchet MS" panose="020B0603020202020204"/>
                 <a:sym typeface="Trebuchet MS" panose="020B0603020202020204"/>
               </a:rPr>
-              <a:t>Project Title     :  </a:t>
-            </a:r>
-            <a:r>
-              <a:rPr lang="en-US" sz="2000" dirty="0" err="1">
-                <a:solidFill>
-                  <a:srgbClr val="0070C0"/>
-                </a:solidFill>
-                <a:latin typeface="Trebuchet MS" panose="020B0603020202020204"/>
-                <a:ea typeface="Trebuchet MS" panose="020B0603020202020204"/>
-                <a:cs typeface="Trebuchet MS" panose="020B0603020202020204"/>
-                <a:sym typeface="Trebuchet MS" panose="020B0603020202020204"/>
-              </a:rPr>
-              <a:t>BugdetIt</a:t>
-            </a:r>
-            <a:r>
-              <a:rPr lang="en-US" sz="2000" dirty="0">
-                <a:solidFill>
-                  <a:srgbClr val="0070C0"/>
-                </a:solidFill>
-                <a:latin typeface="Trebuchet MS" panose="020B0603020202020204"/>
-                <a:ea typeface="Trebuchet MS" panose="020B0603020202020204"/>
-                <a:cs typeface="Trebuchet MS" panose="020B0603020202020204"/>
-                <a:sym typeface="Trebuchet MS" panose="020B0603020202020204"/>
-              </a:rPr>
-              <a:t>- A budget management website!</a:t>
+              <a:t>Project Title     :  Budget-It- A budget management website!</a:t>
             </a:r>
           </a:p>
           <a:p>
@@ -3942,31 +3918,7 @@
                 <a:cs typeface="Trebuchet MS" panose="020B0603020202020204"/>
                 <a:sym typeface="Trebuchet MS" panose="020B0603020202020204"/>
               </a:rPr>
-              <a:t>Project Team 	:  PES1201700218 – </a:t>
-            </a:r>
-            <a:r>
-              <a:rPr lang="en-US" sz="2000" dirty="0" err="1">
-                <a:solidFill>
-                  <a:srgbClr val="0070C0"/>
-                </a:solidFill>
-                <a:latin typeface="Trebuchet MS" panose="020B0603020202020204"/>
-                <a:ea typeface="Trebuchet MS" panose="020B0603020202020204"/>
-                <a:cs typeface="Trebuchet MS" panose="020B0603020202020204"/>
-                <a:sym typeface="Trebuchet MS" panose="020B0603020202020204"/>
-              </a:rPr>
-              <a:t>Sharanya</a:t>
-            </a:r>
-            <a:r>
-              <a:rPr lang="en-US" sz="2000" dirty="0">
-                <a:solidFill>
-                  <a:srgbClr val="0070C0"/>
-                </a:solidFill>
-                <a:latin typeface="Trebuchet MS" panose="020B0603020202020204"/>
-                <a:ea typeface="Trebuchet MS" panose="020B0603020202020204"/>
-                <a:cs typeface="Trebuchet MS" panose="020B0603020202020204"/>
-                <a:sym typeface="Trebuchet MS" panose="020B0603020202020204"/>
-              </a:rPr>
-              <a:t> Venkat</a:t>
+              <a:t>Project Team 	:  PES1201700218 – Sharanya Venkat</a:t>
             </a:r>
           </a:p>
           <a:p>
@@ -3993,31 +3945,7 @@
                 <a:cs typeface="Trebuchet MS" panose="020B0603020202020204"/>
                 <a:sym typeface="Trebuchet MS" panose="020B0603020202020204"/>
               </a:rPr>
-              <a:t>ES1201700301 – </a:t>
-            </a:r>
-            <a:r>
-              <a:rPr lang="en-US" sz="2000" dirty="0" err="1">
-                <a:solidFill>
-                  <a:srgbClr val="0070C0"/>
-                </a:solidFill>
-                <a:latin typeface="Trebuchet MS" panose="020B0603020202020204"/>
-                <a:ea typeface="Trebuchet MS" panose="020B0603020202020204"/>
-                <a:cs typeface="Trebuchet MS" panose="020B0603020202020204"/>
-                <a:sym typeface="Trebuchet MS" panose="020B0603020202020204"/>
-              </a:rPr>
-              <a:t>Anagha</a:t>
-            </a:r>
-            <a:r>
-              <a:rPr lang="en-US" sz="2000" dirty="0">
-                <a:solidFill>
-                  <a:srgbClr val="0070C0"/>
-                </a:solidFill>
-                <a:latin typeface="Trebuchet MS" panose="020B0603020202020204"/>
-                <a:ea typeface="Trebuchet MS" panose="020B0603020202020204"/>
-                <a:cs typeface="Trebuchet MS" panose="020B0603020202020204"/>
-                <a:sym typeface="Trebuchet MS" panose="020B0603020202020204"/>
-              </a:rPr>
-              <a:t> Ananth</a:t>
+              <a:t>ES1201700301 – Anagha Ananth</a:t>
             </a:r>
           </a:p>
           <a:p>
@@ -4115,7 +4043,7 @@
               <a:buFont typeface="Arial" panose="020B0604020202020204"/>
               <a:buNone/>
             </a:pPr>
-            <a:endParaRPr sz="1800" b="0" i="0" u="none" strike="noStrike" cap="none">
+            <a:endParaRPr sz="1800" b="0" i="0" u="none" strike="noStrike" cap="none" dirty="0">
               <a:solidFill>
                 <a:schemeClr val="dk1"/>
               </a:solidFill>
@@ -4181,7 +4109,7 @@
               </a:rPr>
               <a:t>Project Description</a:t>
             </a:r>
-            <a:endParaRPr sz="1800" b="0" i="0" u="none" strike="noStrike" cap="none">
+            <a:endParaRPr sz="1800" b="0" i="0" u="none" strike="noStrike" cap="none" dirty="0">
               <a:solidFill>
                 <a:schemeClr val="dk1"/>
               </a:solidFill>
@@ -4222,10 +4150,10 @@
           <a:lstStyle/>
           <a:p>
             <a:r>
-              <a:rPr lang="en-IN" b="1" dirty="0" err="1">
+              <a:rPr lang="en-IN" b="1" dirty="0">
                 <a:latin typeface="+mn-lt"/>
               </a:rPr>
-              <a:t>BudgetIt</a:t>
+              <a:t>Budget It</a:t>
             </a:r>
             <a:r>
               <a:rPr lang="en-IN" dirty="0">
@@ -4401,7 +4329,7 @@
               <a:buFont typeface="Arial" panose="020B0604020202020204"/>
               <a:buNone/>
             </a:pPr>
-            <a:endParaRPr sz="1800" b="0" i="0" u="none" strike="noStrike" cap="none">
+            <a:endParaRPr sz="1800" b="0" i="0" u="none" strike="noStrike" cap="none" dirty="0">
               <a:solidFill>
                 <a:schemeClr val="dk1"/>
               </a:solidFill>
@@ -4572,10 +4500,10 @@
               <a:buChar char="•"/>
             </a:pPr>
             <a:r>
-              <a:rPr lang="en-IN" sz="1800" dirty="0" err="1">
+              <a:rPr lang="en-IN" sz="1800" dirty="0">
                 <a:latin typeface="Trebuchet MS" panose="020B0603020202020204" pitchFamily="34" charset="0"/>
               </a:rPr>
-              <a:t>Jquery</a:t>
+              <a:t>jQuery</a:t>
             </a:r>
             <a:br>
               <a:rPr lang="en-IN" sz="1800" dirty="0">
@@ -4615,13 +4543,7 @@
               <a:rPr lang="en-IN" sz="1800" dirty="0">
                 <a:latin typeface="Trebuchet MS" panose="020B0603020202020204" pitchFamily="34" charset="0"/>
               </a:rPr>
-              <a:t>HTML, CSS, </a:t>
-            </a:r>
-            <a:r>
-              <a:rPr lang="en-IN" sz="1800" dirty="0" err="1">
-                <a:latin typeface="Trebuchet MS" panose="020B0603020202020204" pitchFamily="34" charset="0"/>
-              </a:rPr>
-              <a:t>Javascript</a:t>
+              <a:t>HTML, CSS, JavaScript</a:t>
             </a:r>
             <a:br>
               <a:rPr lang="en-IN" sz="1800" dirty="0">
@@ -4658,16 +4580,10 @@
               <a:buChar char="•"/>
             </a:pPr>
             <a:r>
-              <a:rPr lang="en-IN" sz="1800" dirty="0" err="1">
-                <a:latin typeface="Trebuchet MS" panose="020B0603020202020204" pitchFamily="34" charset="0"/>
-              </a:rPr>
-              <a:t>Statsmodels</a:t>
-            </a:r>
-            <a:r>
               <a:rPr lang="en-IN" sz="1800" dirty="0">
                 <a:latin typeface="Trebuchet MS" panose="020B0603020202020204" pitchFamily="34" charset="0"/>
               </a:rPr>
-              <a:t> (for intelligent functionality)</a:t>
+              <a:t>Statsmodels (for intelligent functionality)</a:t>
             </a:r>
             <a:br>
               <a:rPr lang="en-IN" sz="1800" dirty="0">
@@ -4749,7 +4665,7 @@
               <a:buFont typeface="Arial" panose="020B0604020202020204"/>
               <a:buNone/>
             </a:pPr>
-            <a:endParaRPr sz="1800" b="0" i="0" u="none" strike="noStrike" cap="none">
+            <a:endParaRPr sz="1800" b="0" i="0" u="none" strike="noStrike" cap="none" dirty="0">
               <a:solidFill>
                 <a:schemeClr val="dk1"/>
               </a:solidFill>
@@ -4815,7 +4731,7 @@
               </a:rPr>
               <a:t>Techniques Implemented</a:t>
             </a:r>
-            <a:endParaRPr sz="1800" b="0" i="0" u="none" strike="noStrike" cap="none">
+            <a:endParaRPr sz="1800" b="0" i="0" u="none" strike="noStrike" cap="none" dirty="0">
               <a:solidFill>
                 <a:schemeClr val="dk1"/>
               </a:solidFill>
@@ -4981,7 +4897,7 @@
               <a:buFont typeface="Arial" panose="020B0604020202020204"/>
               <a:buNone/>
             </a:pPr>
-            <a:endParaRPr sz="1800" b="0" i="0" u="none" strike="noStrike" cap="none">
+            <a:endParaRPr sz="1800" b="0" i="0" u="none" strike="noStrike" cap="none" dirty="0">
               <a:solidFill>
                 <a:schemeClr val="dk1"/>
               </a:solidFill>
@@ -5047,7 +4963,7 @@
               </a:rPr>
               <a:t>Intelligent Functionality</a:t>
             </a:r>
-            <a:endParaRPr sz="1800" b="0" i="0" u="none" strike="noStrike" cap="none">
+            <a:endParaRPr sz="1800" b="0" i="0" u="none" strike="noStrike" cap="none" dirty="0">
               <a:solidFill>
                 <a:schemeClr val="dk1"/>
               </a:solidFill>
